--- a/Cryptography and Network Security/Lecture-04.pptx
+++ b/Cryptography and Network Security/Lecture-04.pptx
@@ -272,7 +272,7 @@
           <a:p>
             <a:fld id="{562AAFDF-58C4-4675-8820-9C115A5D04DB}" type="datetimeFigureOut">
               <a:rPr lang="en-US" smtClean="0"/>
-              <a:t>6/24/2022</a:t>
+              <a:t>3/3/2023</a:t>
             </a:fld>
             <a:endParaRPr lang="en-US"/>
           </a:p>
@@ -440,7 +440,7 @@
           <a:p>
             <a:fld id="{562AAFDF-58C4-4675-8820-9C115A5D04DB}" type="datetimeFigureOut">
               <a:rPr lang="en-US" smtClean="0"/>
-              <a:t>6/24/2022</a:t>
+              <a:t>3/3/2023</a:t>
             </a:fld>
             <a:endParaRPr lang="en-US"/>
           </a:p>
@@ -618,7 +618,7 @@
           <a:p>
             <a:fld id="{562AAFDF-58C4-4675-8820-9C115A5D04DB}" type="datetimeFigureOut">
               <a:rPr lang="en-US" smtClean="0"/>
-              <a:t>6/24/2022</a:t>
+              <a:t>3/3/2023</a:t>
             </a:fld>
             <a:endParaRPr lang="en-US"/>
           </a:p>
@@ -786,7 +786,7 @@
           <a:p>
             <a:fld id="{562AAFDF-58C4-4675-8820-9C115A5D04DB}" type="datetimeFigureOut">
               <a:rPr lang="en-US" smtClean="0"/>
-              <a:t>6/24/2022</a:t>
+              <a:t>3/3/2023</a:t>
             </a:fld>
             <a:endParaRPr lang="en-US"/>
           </a:p>
@@ -1031,7 +1031,7 @@
           <a:p>
             <a:fld id="{562AAFDF-58C4-4675-8820-9C115A5D04DB}" type="datetimeFigureOut">
               <a:rPr lang="en-US" smtClean="0"/>
-              <a:t>6/24/2022</a:t>
+              <a:t>3/3/2023</a:t>
             </a:fld>
             <a:endParaRPr lang="en-US"/>
           </a:p>
@@ -1260,7 +1260,7 @@
           <a:p>
             <a:fld id="{562AAFDF-58C4-4675-8820-9C115A5D04DB}" type="datetimeFigureOut">
               <a:rPr lang="en-US" smtClean="0"/>
-              <a:t>6/24/2022</a:t>
+              <a:t>3/3/2023</a:t>
             </a:fld>
             <a:endParaRPr lang="en-US"/>
           </a:p>
@@ -1624,7 +1624,7 @@
           <a:p>
             <a:fld id="{562AAFDF-58C4-4675-8820-9C115A5D04DB}" type="datetimeFigureOut">
               <a:rPr lang="en-US" smtClean="0"/>
-              <a:t>6/24/2022</a:t>
+              <a:t>3/3/2023</a:t>
             </a:fld>
             <a:endParaRPr lang="en-US"/>
           </a:p>
@@ -1741,7 +1741,7 @@
           <a:p>
             <a:fld id="{562AAFDF-58C4-4675-8820-9C115A5D04DB}" type="datetimeFigureOut">
               <a:rPr lang="en-US" smtClean="0"/>
-              <a:t>6/24/2022</a:t>
+              <a:t>3/3/2023</a:t>
             </a:fld>
             <a:endParaRPr lang="en-US"/>
           </a:p>
@@ -1836,7 +1836,7 @@
           <a:p>
             <a:fld id="{562AAFDF-58C4-4675-8820-9C115A5D04DB}" type="datetimeFigureOut">
               <a:rPr lang="en-US" smtClean="0"/>
-              <a:t>6/24/2022</a:t>
+              <a:t>3/3/2023</a:t>
             </a:fld>
             <a:endParaRPr lang="en-US"/>
           </a:p>
@@ -2111,7 +2111,7 @@
           <a:p>
             <a:fld id="{562AAFDF-58C4-4675-8820-9C115A5D04DB}" type="datetimeFigureOut">
               <a:rPr lang="en-US" smtClean="0"/>
-              <a:t>6/24/2022</a:t>
+              <a:t>3/3/2023</a:t>
             </a:fld>
             <a:endParaRPr lang="en-US"/>
           </a:p>
@@ -2363,7 +2363,7 @@
           <a:p>
             <a:fld id="{562AAFDF-58C4-4675-8820-9C115A5D04DB}" type="datetimeFigureOut">
               <a:rPr lang="en-US" smtClean="0"/>
-              <a:t>6/24/2022</a:t>
+              <a:t>3/3/2023</a:t>
             </a:fld>
             <a:endParaRPr lang="en-US"/>
           </a:p>
@@ -2583,7 +2583,7 @@
           <a:p>
             <a:fld id="{562AAFDF-58C4-4675-8820-9C115A5D04DB}" type="datetimeFigureOut">
               <a:rPr lang="en-US" smtClean="0"/>
-              <a:t>6/24/2022</a:t>
+              <a:t>3/3/2023</a:t>
             </a:fld>
             <a:endParaRPr lang="en-US"/>
           </a:p>
@@ -3019,6 +3019,16 @@
               </a:rPr>
               <a:t>Polyalphabetic Cipher</a:t>
             </a:r>
+            <a:r>
+              <a:rPr lang="en-AU" altLang="en-US" b="1" dirty="0">
+                <a:solidFill>
+                  <a:srgbClr val="002060"/>
+                </a:solidFill>
+                <a:latin typeface="Times New Roman" panose="02020603050405020304" pitchFamily="18" charset="0"/>
+                <a:cs typeface="Times New Roman" panose="02020603050405020304" pitchFamily="18" charset="0"/>
+              </a:rPr>
+              <a:t/>
+            </a:r>
             <a:br>
               <a:rPr lang="en-AU" altLang="en-US" b="1" dirty="0">
                 <a:solidFill>
@@ -3028,6 +3038,13 @@
                 <a:cs typeface="Times New Roman" panose="02020603050405020304" pitchFamily="18" charset="0"/>
               </a:rPr>
             </a:br>
+            <a:r>
+              <a:rPr lang="en-US" dirty="0">
+                <a:latin typeface="Times New Roman" panose="02020603050405020304" pitchFamily="18" charset="0"/>
+                <a:cs typeface="Times New Roman" panose="02020603050405020304" pitchFamily="18" charset="0"/>
+              </a:rPr>
+              <a:t/>
+            </a:r>
             <a:br>
               <a:rPr lang="en-US" dirty="0">
                 <a:latin typeface="Times New Roman" panose="02020603050405020304" pitchFamily="18" charset="0"/>
@@ -3043,6 +3060,13 @@
                 <a:cs typeface="Times New Roman" panose="02020603050405020304" pitchFamily="18" charset="0"/>
               </a:rPr>
               <a:t>Md. Alamgir Hossain</a:t>
+            </a:r>
+            <a:r>
+              <a:rPr lang="en-US" dirty="0">
+                <a:latin typeface="Times New Roman" panose="02020603050405020304" pitchFamily="18" charset="0"/>
+                <a:cs typeface="Times New Roman" panose="02020603050405020304" pitchFamily="18" charset="0"/>
+              </a:rPr>
+              <a:t/>
             </a:r>
             <a:br>
               <a:rPr lang="en-US" dirty="0">
@@ -3074,6 +3098,16 @@
                 <a:cs typeface="Times New Roman" panose="02020603050405020304" pitchFamily="18" charset="0"/>
               </a:rPr>
               <a:t>Dept. of CSE, Prime University</a:t>
+            </a:r>
+            <a:r>
+              <a:rPr lang="en-US" b="1" dirty="0">
+                <a:solidFill>
+                  <a:srgbClr val="7030A0"/>
+                </a:solidFill>
+                <a:latin typeface="Times New Roman" panose="02020603050405020304" pitchFamily="18" charset="0"/>
+                <a:cs typeface="Times New Roman" panose="02020603050405020304" pitchFamily="18" charset="0"/>
+              </a:rPr>
+              <a:t/>
             </a:r>
             <a:br>
               <a:rPr lang="en-US" b="1" dirty="0">
@@ -3183,7 +3217,7 @@
                 <a:latin typeface="Times New Roman" panose="02020603050405020304" pitchFamily="18" charset="0"/>
                 <a:cs typeface="Times New Roman" panose="02020603050405020304" pitchFamily="18" charset="0"/>
               </a:rPr>
-              <a:t>Playfire</a:t>
+              <a:t>Playfair</a:t>
             </a:r>
             <a:r>
               <a:rPr lang="en-AU" altLang="en-US" sz="3600" b="1" dirty="0">
@@ -3193,7 +3227,17 @@
                 <a:latin typeface="Times New Roman" panose="02020603050405020304" pitchFamily="18" charset="0"/>
                 <a:cs typeface="Times New Roman" panose="02020603050405020304" pitchFamily="18" charset="0"/>
               </a:rPr>
-              <a:t> Cipher Encryption Algorithm</a:t>
+              <a:t> Cipher </a:t>
+            </a:r>
+            <a:r>
+              <a:rPr lang="en-AU" altLang="en-US" sz="3600" b="1" dirty="0">
+                <a:solidFill>
+                  <a:srgbClr val="002060"/>
+                </a:solidFill>
+                <a:latin typeface="Times New Roman" panose="02020603050405020304" pitchFamily="18" charset="0"/>
+                <a:cs typeface="Times New Roman" panose="02020603050405020304" pitchFamily="18" charset="0"/>
+              </a:rPr>
+              <a:t>Encryption Algorithm</a:t>
             </a:r>
             <a:endParaRPr lang="en-US" sz="3600" b="1" dirty="0">
               <a:solidFill>
@@ -3388,7 +3432,7 @@
                 <a:latin typeface="Times New Roman" panose="02020603050405020304" pitchFamily="18" charset="0"/>
                 <a:cs typeface="Times New Roman" panose="02020603050405020304" pitchFamily="18" charset="0"/>
               </a:rPr>
-              <a:t>Playfire</a:t>
+              <a:t>Playfair</a:t>
             </a:r>
             <a:r>
               <a:rPr lang="en-AU" altLang="en-US" sz="3600" b="1" dirty="0">
@@ -3398,7 +3442,17 @@
                 <a:latin typeface="Times New Roman" panose="02020603050405020304" pitchFamily="18" charset="0"/>
                 <a:cs typeface="Times New Roman" panose="02020603050405020304" pitchFamily="18" charset="0"/>
               </a:rPr>
-              <a:t> Cipher Encryption Technique</a:t>
+              <a:t> Cipher </a:t>
+            </a:r>
+            <a:r>
+              <a:rPr lang="en-AU" altLang="en-US" sz="3600" b="1" dirty="0">
+                <a:solidFill>
+                  <a:srgbClr val="002060"/>
+                </a:solidFill>
+                <a:latin typeface="Times New Roman" panose="02020603050405020304" pitchFamily="18" charset="0"/>
+                <a:cs typeface="Times New Roman" panose="02020603050405020304" pitchFamily="18" charset="0"/>
+              </a:rPr>
+              <a:t>Encryption Technique</a:t>
             </a:r>
             <a:endParaRPr lang="en-US" sz="3600" b="1" dirty="0">
               <a:solidFill>
@@ -3707,7 +3761,7 @@
                 <a:latin typeface="Times New Roman" panose="02020603050405020304" pitchFamily="18" charset="0"/>
                 <a:cs typeface="Times New Roman" panose="02020603050405020304" pitchFamily="18" charset="0"/>
               </a:rPr>
-              <a:t>Playfire</a:t>
+              <a:t>Playfair</a:t>
             </a:r>
             <a:r>
               <a:rPr lang="en-AU" altLang="en-US" sz="3600" b="1" dirty="0">
@@ -3717,7 +3771,17 @@
                 <a:latin typeface="Times New Roman" panose="02020603050405020304" pitchFamily="18" charset="0"/>
                 <a:cs typeface="Times New Roman" panose="02020603050405020304" pitchFamily="18" charset="0"/>
               </a:rPr>
-              <a:t> Cipher Decryption Technique</a:t>
+              <a:t> Cipher </a:t>
+            </a:r>
+            <a:r>
+              <a:rPr lang="en-AU" altLang="en-US" sz="3600" b="1" dirty="0">
+                <a:solidFill>
+                  <a:srgbClr val="002060"/>
+                </a:solidFill>
+                <a:latin typeface="Times New Roman" panose="02020603050405020304" pitchFamily="18" charset="0"/>
+                <a:cs typeface="Times New Roman" panose="02020603050405020304" pitchFamily="18" charset="0"/>
+              </a:rPr>
+              <a:t>Decryption Technique</a:t>
             </a:r>
             <a:endParaRPr lang="en-US" sz="3600" b="1" dirty="0">
               <a:solidFill>
@@ -3847,7 +3911,28 @@
                 <a:latin typeface="Times New Roman" panose="02020603050405020304" pitchFamily="18" charset="0"/>
                 <a:cs typeface="Times New Roman" panose="02020603050405020304" pitchFamily="18" charset="0"/>
               </a:rPr>
-              <a:t>The key square is a 5×5 grid of alphabets that acts as the key for encrypting the plaintext. Each of the 25 alphabets must be unique and one letter of the alphabet (usually J) is omitted from the table (as the table can hold only 25 alphabets). If the plaintext contains J, then it is replaced by I.</a:t>
+              <a:t>The key square is a 5×5 grid of alphabets that acts as the key for encrypting the plaintext. Each of the 25 alphabets must be unique and one letter of the alphabet (usually J) is omitted from the table (as the table can hold only 25 alphabets). If the </a:t>
+            </a:r>
+            <a:r>
+              <a:rPr lang="en-US" dirty="0" err="1" smtClean="0">
+                <a:latin typeface="Times New Roman" panose="02020603050405020304" pitchFamily="18" charset="0"/>
+                <a:cs typeface="Times New Roman" panose="02020603050405020304" pitchFamily="18" charset="0"/>
+              </a:rPr>
+              <a:t>ciphertext</a:t>
+            </a:r>
+            <a:r>
+              <a:rPr lang="en-US" dirty="0" smtClean="0">
+                <a:latin typeface="Times New Roman" panose="02020603050405020304" pitchFamily="18" charset="0"/>
+                <a:cs typeface="Times New Roman" panose="02020603050405020304" pitchFamily="18" charset="0"/>
+              </a:rPr>
+              <a:t> contains </a:t>
+            </a:r>
+            <a:r>
+              <a:rPr lang="en-US" dirty="0">
+                <a:latin typeface="Times New Roman" panose="02020603050405020304" pitchFamily="18" charset="0"/>
+                <a:cs typeface="Times New Roman" panose="02020603050405020304" pitchFamily="18" charset="0"/>
+              </a:rPr>
+              <a:t>J, then it is replaced by I.</a:t>
             </a:r>
           </a:p>
           <a:p>
@@ -4023,7 +4108,7 @@
                 <a:latin typeface="Times New Roman" panose="02020603050405020304" pitchFamily="18" charset="0"/>
                 <a:cs typeface="Times New Roman" panose="02020603050405020304" pitchFamily="18" charset="0"/>
               </a:rPr>
-              <a:t>Playfire</a:t>
+              <a:t>Playfair</a:t>
             </a:r>
             <a:r>
               <a:rPr lang="en-AU" altLang="en-US" sz="3600" b="1" dirty="0">
@@ -4033,7 +4118,17 @@
                 <a:latin typeface="Times New Roman" panose="02020603050405020304" pitchFamily="18" charset="0"/>
                 <a:cs typeface="Times New Roman" panose="02020603050405020304" pitchFamily="18" charset="0"/>
               </a:rPr>
-              <a:t> Cipher Decryption Technique</a:t>
+              <a:t> Cipher </a:t>
+            </a:r>
+            <a:r>
+              <a:rPr lang="en-AU" altLang="en-US" sz="3600" b="1" dirty="0">
+                <a:solidFill>
+                  <a:srgbClr val="002060"/>
+                </a:solidFill>
+                <a:latin typeface="Times New Roman" panose="02020603050405020304" pitchFamily="18" charset="0"/>
+                <a:cs typeface="Times New Roman" panose="02020603050405020304" pitchFamily="18" charset="0"/>
+              </a:rPr>
+              <a:t>Decryption Technique</a:t>
             </a:r>
             <a:endParaRPr lang="en-US" sz="3600" b="1" dirty="0">
               <a:solidFill>
@@ -4417,7 +4512,7 @@
                 <a:latin typeface="Times New Roman" panose="02020603050405020304" pitchFamily="18" charset="0"/>
                 <a:cs typeface="Times New Roman" panose="02020603050405020304" pitchFamily="18" charset="0"/>
               </a:rPr>
-              <a:t>Playfire</a:t>
+              <a:t>Playfair</a:t>
             </a:r>
             <a:r>
               <a:rPr lang="en-AU" altLang="en-US" sz="3600" b="1" dirty="0">
@@ -4427,7 +4522,17 @@
                 <a:latin typeface="Times New Roman" panose="02020603050405020304" pitchFamily="18" charset="0"/>
                 <a:cs typeface="Times New Roman" panose="02020603050405020304" pitchFamily="18" charset="0"/>
               </a:rPr>
-              <a:t> Cipher Decryption Technique</a:t>
+              <a:t> Cipher </a:t>
+            </a:r>
+            <a:r>
+              <a:rPr lang="en-AU" altLang="en-US" sz="3600" b="1" dirty="0">
+                <a:solidFill>
+                  <a:srgbClr val="002060"/>
+                </a:solidFill>
+                <a:latin typeface="Times New Roman" panose="02020603050405020304" pitchFamily="18" charset="0"/>
+                <a:cs typeface="Times New Roman" panose="02020603050405020304" pitchFamily="18" charset="0"/>
+              </a:rPr>
+              <a:t>Decryption Technique</a:t>
             </a:r>
             <a:endParaRPr lang="en-US" sz="3600" b="1" dirty="0">
               <a:solidFill>
@@ -4719,7 +4824,7 @@
                 <a:latin typeface="Times New Roman" panose="02020603050405020304" pitchFamily="18" charset="0"/>
                 <a:cs typeface="Times New Roman" panose="02020603050405020304" pitchFamily="18" charset="0"/>
               </a:rPr>
-              <a:t>Playfire</a:t>
+              <a:t>Playfair</a:t>
             </a:r>
             <a:r>
               <a:rPr lang="en-AU" altLang="en-US" sz="3600" b="1" dirty="0">
@@ -4729,7 +4834,17 @@
                 <a:latin typeface="Times New Roman" panose="02020603050405020304" pitchFamily="18" charset="0"/>
                 <a:cs typeface="Times New Roman" panose="02020603050405020304" pitchFamily="18" charset="0"/>
               </a:rPr>
-              <a:t> Cipher Decryption Technique</a:t>
+              <a:t> Cipher </a:t>
+            </a:r>
+            <a:r>
+              <a:rPr lang="en-AU" altLang="en-US" sz="3600" b="1" dirty="0">
+                <a:solidFill>
+                  <a:srgbClr val="002060"/>
+                </a:solidFill>
+                <a:latin typeface="Times New Roman" panose="02020603050405020304" pitchFamily="18" charset="0"/>
+                <a:cs typeface="Times New Roman" panose="02020603050405020304" pitchFamily="18" charset="0"/>
+              </a:rPr>
+              <a:t>Decryption Technique</a:t>
             </a:r>
             <a:endParaRPr lang="en-US" sz="3600" b="1" dirty="0">
               <a:solidFill>
@@ -5000,7 +5115,7 @@
                 <a:latin typeface="Times New Roman" panose="02020603050405020304" pitchFamily="18" charset="0"/>
                 <a:cs typeface="Times New Roman" panose="02020603050405020304" pitchFamily="18" charset="0"/>
               </a:rPr>
-              <a:t>Playfire</a:t>
+              <a:t>Playfair</a:t>
             </a:r>
             <a:r>
               <a:rPr lang="en-AU" altLang="en-US" sz="3600" b="1" dirty="0">
@@ -5010,7 +5125,17 @@
                 <a:latin typeface="Times New Roman" panose="02020603050405020304" pitchFamily="18" charset="0"/>
                 <a:cs typeface="Times New Roman" panose="02020603050405020304" pitchFamily="18" charset="0"/>
               </a:rPr>
-              <a:t> Cipher Decryption Technique</a:t>
+              <a:t> Cipher </a:t>
+            </a:r>
+            <a:r>
+              <a:rPr lang="en-AU" altLang="en-US" sz="3600" b="1" dirty="0">
+                <a:solidFill>
+                  <a:srgbClr val="002060"/>
+                </a:solidFill>
+                <a:latin typeface="Times New Roman" panose="02020603050405020304" pitchFamily="18" charset="0"/>
+                <a:cs typeface="Times New Roman" panose="02020603050405020304" pitchFamily="18" charset="0"/>
+              </a:rPr>
+              <a:t>Decryption Technique</a:t>
             </a:r>
             <a:endParaRPr lang="en-US" sz="3600" b="1" dirty="0">
               <a:solidFill>
@@ -5285,7 +5410,7 @@
                 <a:latin typeface="Times New Roman" panose="02020603050405020304" pitchFamily="18" charset="0"/>
                 <a:cs typeface="Times New Roman" panose="02020603050405020304" pitchFamily="18" charset="0"/>
               </a:rPr>
-              <a:t>Playfire</a:t>
+              <a:t>Playfair</a:t>
             </a:r>
             <a:r>
               <a:rPr lang="en-AU" altLang="en-US" sz="3600" b="1" dirty="0">
@@ -5295,7 +5420,17 @@
                 <a:latin typeface="Times New Roman" panose="02020603050405020304" pitchFamily="18" charset="0"/>
                 <a:cs typeface="Times New Roman" panose="02020603050405020304" pitchFamily="18" charset="0"/>
               </a:rPr>
-              <a:t> Cipher Decryption Technique</a:t>
+              <a:t> Cipher </a:t>
+            </a:r>
+            <a:r>
+              <a:rPr lang="en-AU" altLang="en-US" sz="3600" b="1" dirty="0">
+                <a:solidFill>
+                  <a:srgbClr val="002060"/>
+                </a:solidFill>
+                <a:latin typeface="Times New Roman" panose="02020603050405020304" pitchFamily="18" charset="0"/>
+                <a:cs typeface="Times New Roman" panose="02020603050405020304" pitchFamily="18" charset="0"/>
+              </a:rPr>
+              <a:t>Decryption Technique</a:t>
             </a:r>
             <a:endParaRPr lang="en-US" sz="3600" b="1" dirty="0">
               <a:solidFill>
@@ -5738,7 +5873,7 @@
                 <a:latin typeface="Times New Roman" panose="02020603050405020304" pitchFamily="18" charset="0"/>
                 <a:cs typeface="Times New Roman" panose="02020603050405020304" pitchFamily="18" charset="0"/>
               </a:rPr>
-              <a:t>Playfire</a:t>
+              <a:t>Playfair</a:t>
             </a:r>
             <a:r>
               <a:rPr lang="en-AU" altLang="en-US" sz="3600" b="1" dirty="0">
@@ -5748,17 +5883,17 @@
                 <a:latin typeface="Times New Roman" panose="02020603050405020304" pitchFamily="18" charset="0"/>
                 <a:cs typeface="Times New Roman" panose="02020603050405020304" pitchFamily="18" charset="0"/>
               </a:rPr>
-              <a:t> Cipher Encryption </a:t>
-            </a:r>
-            <a:r>
-              <a:rPr lang="en-AU" altLang="en-US" sz="3600" b="1">
+              <a:t> Cipher </a:t>
+            </a:r>
+            <a:r>
+              <a:rPr lang="en-AU" altLang="en-US" sz="3600" b="1" dirty="0">
                 <a:solidFill>
                   <a:srgbClr val="002060"/>
                 </a:solidFill>
                 <a:latin typeface="Times New Roman" panose="02020603050405020304" pitchFamily="18" charset="0"/>
                 <a:cs typeface="Times New Roman" panose="02020603050405020304" pitchFamily="18" charset="0"/>
               </a:rPr>
-              <a:t>(Example)</a:t>
+              <a:t>Encryption (Example)</a:t>
             </a:r>
             <a:endParaRPr lang="en-US" sz="3600" b="1" dirty="0">
               <a:solidFill>
@@ -6016,7 +6151,7 @@
                 <a:latin typeface="Times New Roman" panose="02020603050405020304" pitchFamily="18" charset="0"/>
                 <a:cs typeface="Times New Roman" panose="02020603050405020304" pitchFamily="18" charset="0"/>
               </a:rPr>
-              <a:t>Playfire</a:t>
+              <a:t>Playfair</a:t>
             </a:r>
             <a:r>
               <a:rPr lang="en-AU" altLang="en-US" sz="3600" b="1" dirty="0">
@@ -6583,7 +6718,21 @@
                 <a:latin typeface="Times New Roman" panose="02020603050405020304" pitchFamily="18" charset="0"/>
                 <a:cs typeface="Times New Roman" panose="02020603050405020304" pitchFamily="18" charset="0"/>
               </a:rPr>
-              <a:t>It is based on a keyword's letters. </a:t>
+              <a:t>It is based on a </a:t>
+            </a:r>
+            <a:r>
+              <a:rPr lang="en-US" sz="2400" dirty="0" smtClean="0">
+                <a:latin typeface="Times New Roman" panose="02020603050405020304" pitchFamily="18" charset="0"/>
+                <a:cs typeface="Times New Roman" panose="02020603050405020304" pitchFamily="18" charset="0"/>
+              </a:rPr>
+              <a:t>keyword’s </a:t>
+            </a:r>
+            <a:r>
+              <a:rPr lang="en-US" sz="2400" dirty="0">
+                <a:latin typeface="Times New Roman" panose="02020603050405020304" pitchFamily="18" charset="0"/>
+                <a:cs typeface="Times New Roman" panose="02020603050405020304" pitchFamily="18" charset="0"/>
+              </a:rPr>
+              <a:t>letters. </a:t>
             </a:r>
           </a:p>
           <a:p>
@@ -7970,7 +8119,7 @@
           <p:cNvPr id="1026" name="Picture 2" descr="Vigenere Cipher">
             <a:extLst>
               <a:ext uri="{FF2B5EF4-FFF2-40B4-BE49-F238E27FC236}">
-                <a16:creationId xmlns:a16="http://schemas.microsoft.com/office/drawing/2014/main" id="{DA936D1A-DBF8-E663-B9EB-FE384AE2B68D}"/>
+                <a16:creationId xmlns="" xmlns:a16="http://schemas.microsoft.com/office/drawing/2014/main" id="{DA936D1A-DBF8-E663-B9EB-FE384AE2B68D}"/>
               </a:ext>
             </a:extLst>
           </p:cNvPr>
@@ -11350,7 +11499,7 @@
           <p:cNvPr id="2050" name="Picture 2" descr="Vigenere Cipher">
             <a:extLst>
               <a:ext uri="{FF2B5EF4-FFF2-40B4-BE49-F238E27FC236}">
-                <a16:creationId xmlns:a16="http://schemas.microsoft.com/office/drawing/2014/main" id="{6FD68A34-BC12-CF1C-C137-EA83EDE71D00}"/>
+                <a16:creationId xmlns="" xmlns:a16="http://schemas.microsoft.com/office/drawing/2014/main" id="{6FD68A34-BC12-CF1C-C137-EA83EDE71D00}"/>
               </a:ext>
             </a:extLst>
           </p:cNvPr>
@@ -12211,7 +12360,7 @@
           <p:cNvPr id="4" name="Table 4">
             <a:extLst>
               <a:ext uri="{FF2B5EF4-FFF2-40B4-BE49-F238E27FC236}">
-                <a16:creationId xmlns:a16="http://schemas.microsoft.com/office/drawing/2014/main" id="{2EB4A957-41D2-6779-0EE0-368C17AFAC71}"/>
+                <a16:creationId xmlns="" xmlns:a16="http://schemas.microsoft.com/office/drawing/2014/main" id="{2EB4A957-41D2-6779-0EE0-368C17AFAC71}"/>
               </a:ext>
             </a:extLst>
           </p:cNvPr>
@@ -12240,42 +12389,42 @@
                 <a:gridCol w="3086132">
                   <a:extLst>
                     <a:ext uri="{9D8B030D-6E8A-4147-A177-3AD203B41FA5}">
-                      <a16:colId xmlns:a16="http://schemas.microsoft.com/office/drawing/2014/main" val="3409899199"/>
+                      <a16:colId xmlns="" xmlns:a16="http://schemas.microsoft.com/office/drawing/2014/main" val="3409899199"/>
                     </a:ext>
                   </a:extLst>
                 </a:gridCol>
                 <a:gridCol w="1211906">
                   <a:extLst>
                     <a:ext uri="{9D8B030D-6E8A-4147-A177-3AD203B41FA5}">
-                      <a16:colId xmlns:a16="http://schemas.microsoft.com/office/drawing/2014/main" val="3284531979"/>
+                      <a16:colId xmlns="" xmlns:a16="http://schemas.microsoft.com/office/drawing/2014/main" val="3284531979"/>
                     </a:ext>
                   </a:extLst>
                 </a:gridCol>
                 <a:gridCol w="1479653">
                   <a:extLst>
                     <a:ext uri="{9D8B030D-6E8A-4147-A177-3AD203B41FA5}">
-                      <a16:colId xmlns:a16="http://schemas.microsoft.com/office/drawing/2014/main" val="3540268673"/>
+                      <a16:colId xmlns="" xmlns:a16="http://schemas.microsoft.com/office/drawing/2014/main" val="3540268673"/>
                     </a:ext>
                   </a:extLst>
                 </a:gridCol>
                 <a:gridCol w="1268273">
                   <a:extLst>
                     <a:ext uri="{9D8B030D-6E8A-4147-A177-3AD203B41FA5}">
-                      <a16:colId xmlns:a16="http://schemas.microsoft.com/office/drawing/2014/main" val="724316238"/>
+                      <a16:colId xmlns="" xmlns:a16="http://schemas.microsoft.com/office/drawing/2014/main" val="724316238"/>
                     </a:ext>
                   </a:extLst>
                 </a:gridCol>
                 <a:gridCol w="1056895">
                   <a:extLst>
                     <a:ext uri="{9D8B030D-6E8A-4147-A177-3AD203B41FA5}">
-                      <a16:colId xmlns:a16="http://schemas.microsoft.com/office/drawing/2014/main" val="4028964058"/>
+                      <a16:colId xmlns="" xmlns:a16="http://schemas.microsoft.com/office/drawing/2014/main" val="4028964058"/>
                     </a:ext>
                   </a:extLst>
                 </a:gridCol>
                 <a:gridCol w="944159">
                   <a:extLst>
                     <a:ext uri="{9D8B030D-6E8A-4147-A177-3AD203B41FA5}">
-                      <a16:colId xmlns:a16="http://schemas.microsoft.com/office/drawing/2014/main" val="727585390"/>
+                      <a16:colId xmlns="" xmlns:a16="http://schemas.microsoft.com/office/drawing/2014/main" val="727585390"/>
                     </a:ext>
                   </a:extLst>
                 </a:gridCol>
@@ -12385,7 +12534,7 @@
                 </a:tc>
                 <a:extLst>
                   <a:ext uri="{0D108BD9-81ED-4DB2-BD59-A6C34878D82A}">
-                    <a16:rowId xmlns:a16="http://schemas.microsoft.com/office/drawing/2014/main" val="126684714"/>
+                    <a16:rowId xmlns="" xmlns:a16="http://schemas.microsoft.com/office/drawing/2014/main" val="126684714"/>
                   </a:ext>
                 </a:extLst>
               </a:tr>
@@ -12494,7 +12643,7 @@
                 </a:tc>
                 <a:extLst>
                   <a:ext uri="{0D108BD9-81ED-4DB2-BD59-A6C34878D82A}">
-                    <a16:rowId xmlns:a16="http://schemas.microsoft.com/office/drawing/2014/main" val="281322087"/>
+                    <a16:rowId xmlns="" xmlns:a16="http://schemas.microsoft.com/office/drawing/2014/main" val="281322087"/>
                   </a:ext>
                 </a:extLst>
               </a:tr>
@@ -12603,7 +12752,7 @@
                 </a:tc>
                 <a:extLst>
                   <a:ext uri="{0D108BD9-81ED-4DB2-BD59-A6C34878D82A}">
-                    <a16:rowId xmlns:a16="http://schemas.microsoft.com/office/drawing/2014/main" val="3167189084"/>
+                    <a16:rowId xmlns="" xmlns:a16="http://schemas.microsoft.com/office/drawing/2014/main" val="3167189084"/>
                   </a:ext>
                 </a:extLst>
               </a:tr>
@@ -12712,7 +12861,7 @@
                 </a:tc>
                 <a:extLst>
                   <a:ext uri="{0D108BD9-81ED-4DB2-BD59-A6C34878D82A}">
-                    <a16:rowId xmlns:a16="http://schemas.microsoft.com/office/drawing/2014/main" val="560569789"/>
+                    <a16:rowId xmlns="" xmlns:a16="http://schemas.microsoft.com/office/drawing/2014/main" val="560569789"/>
                   </a:ext>
                 </a:extLst>
               </a:tr>
@@ -12821,7 +12970,7 @@
                 </a:tc>
                 <a:extLst>
                   <a:ext uri="{0D108BD9-81ED-4DB2-BD59-A6C34878D82A}">
-                    <a16:rowId xmlns:a16="http://schemas.microsoft.com/office/drawing/2014/main" val="2920322898"/>
+                    <a16:rowId xmlns="" xmlns:a16="http://schemas.microsoft.com/office/drawing/2014/main" val="2920322898"/>
                   </a:ext>
                 </a:extLst>
               </a:tr>
@@ -12930,7 +13079,7 @@
                 </a:tc>
                 <a:extLst>
                   <a:ext uri="{0D108BD9-81ED-4DB2-BD59-A6C34878D82A}">
-                    <a16:rowId xmlns:a16="http://schemas.microsoft.com/office/drawing/2014/main" val="3610026153"/>
+                    <a16:rowId xmlns="" xmlns:a16="http://schemas.microsoft.com/office/drawing/2014/main" val="3610026153"/>
                   </a:ext>
                 </a:extLst>
               </a:tr>
@@ -13490,7 +13639,7 @@
           <p:cNvPr id="4" name="Table 4">
             <a:extLst>
               <a:ext uri="{FF2B5EF4-FFF2-40B4-BE49-F238E27FC236}">
-                <a16:creationId xmlns:a16="http://schemas.microsoft.com/office/drawing/2014/main" id="{2EB4A957-41D2-6779-0EE0-368C17AFAC71}"/>
+                <a16:creationId xmlns="" xmlns:a16="http://schemas.microsoft.com/office/drawing/2014/main" id="{2EB4A957-41D2-6779-0EE0-368C17AFAC71}"/>
               </a:ext>
             </a:extLst>
           </p:cNvPr>
@@ -13519,42 +13668,42 @@
                 <a:gridCol w="3086132">
                   <a:extLst>
                     <a:ext uri="{9D8B030D-6E8A-4147-A177-3AD203B41FA5}">
-                      <a16:colId xmlns:a16="http://schemas.microsoft.com/office/drawing/2014/main" val="3409899199"/>
+                      <a16:colId xmlns="" xmlns:a16="http://schemas.microsoft.com/office/drawing/2014/main" val="3409899199"/>
                     </a:ext>
                   </a:extLst>
                 </a:gridCol>
                 <a:gridCol w="1211906">
                   <a:extLst>
                     <a:ext uri="{9D8B030D-6E8A-4147-A177-3AD203B41FA5}">
-                      <a16:colId xmlns:a16="http://schemas.microsoft.com/office/drawing/2014/main" val="3284531979"/>
+                      <a16:colId xmlns="" xmlns:a16="http://schemas.microsoft.com/office/drawing/2014/main" val="3284531979"/>
                     </a:ext>
                   </a:extLst>
                 </a:gridCol>
                 <a:gridCol w="1479653">
                   <a:extLst>
                     <a:ext uri="{9D8B030D-6E8A-4147-A177-3AD203B41FA5}">
-                      <a16:colId xmlns:a16="http://schemas.microsoft.com/office/drawing/2014/main" val="3540268673"/>
+                      <a16:colId xmlns="" xmlns:a16="http://schemas.microsoft.com/office/drawing/2014/main" val="3540268673"/>
                     </a:ext>
                   </a:extLst>
                 </a:gridCol>
                 <a:gridCol w="1268273">
                   <a:extLst>
                     <a:ext uri="{9D8B030D-6E8A-4147-A177-3AD203B41FA5}">
-                      <a16:colId xmlns:a16="http://schemas.microsoft.com/office/drawing/2014/main" val="724316238"/>
+                      <a16:colId xmlns="" xmlns:a16="http://schemas.microsoft.com/office/drawing/2014/main" val="724316238"/>
                     </a:ext>
                   </a:extLst>
                 </a:gridCol>
                 <a:gridCol w="1056895">
                   <a:extLst>
                     <a:ext uri="{9D8B030D-6E8A-4147-A177-3AD203B41FA5}">
-                      <a16:colId xmlns:a16="http://schemas.microsoft.com/office/drawing/2014/main" val="4028964058"/>
+                      <a16:colId xmlns="" xmlns:a16="http://schemas.microsoft.com/office/drawing/2014/main" val="4028964058"/>
                     </a:ext>
                   </a:extLst>
                 </a:gridCol>
                 <a:gridCol w="944159">
                   <a:extLst>
                     <a:ext uri="{9D8B030D-6E8A-4147-A177-3AD203B41FA5}">
-                      <a16:colId xmlns:a16="http://schemas.microsoft.com/office/drawing/2014/main" val="727585390"/>
+                      <a16:colId xmlns="" xmlns:a16="http://schemas.microsoft.com/office/drawing/2014/main" val="727585390"/>
                     </a:ext>
                   </a:extLst>
                 </a:gridCol>
@@ -13664,7 +13813,7 @@
                 </a:tc>
                 <a:extLst>
                   <a:ext uri="{0D108BD9-81ED-4DB2-BD59-A6C34878D82A}">
-                    <a16:rowId xmlns:a16="http://schemas.microsoft.com/office/drawing/2014/main" val="126684714"/>
+                    <a16:rowId xmlns="" xmlns:a16="http://schemas.microsoft.com/office/drawing/2014/main" val="126684714"/>
                   </a:ext>
                 </a:extLst>
               </a:tr>
@@ -13773,7 +13922,7 @@
                 </a:tc>
                 <a:extLst>
                   <a:ext uri="{0D108BD9-81ED-4DB2-BD59-A6C34878D82A}">
-                    <a16:rowId xmlns:a16="http://schemas.microsoft.com/office/drawing/2014/main" val="281322087"/>
+                    <a16:rowId xmlns="" xmlns:a16="http://schemas.microsoft.com/office/drawing/2014/main" val="281322087"/>
                   </a:ext>
                 </a:extLst>
               </a:tr>
@@ -13882,7 +14031,7 @@
                 </a:tc>
                 <a:extLst>
                   <a:ext uri="{0D108BD9-81ED-4DB2-BD59-A6C34878D82A}">
-                    <a16:rowId xmlns:a16="http://schemas.microsoft.com/office/drawing/2014/main" val="3167189084"/>
+                    <a16:rowId xmlns="" xmlns:a16="http://schemas.microsoft.com/office/drawing/2014/main" val="3167189084"/>
                   </a:ext>
                 </a:extLst>
               </a:tr>
@@ -13991,7 +14140,7 @@
                 </a:tc>
                 <a:extLst>
                   <a:ext uri="{0D108BD9-81ED-4DB2-BD59-A6C34878D82A}">
-                    <a16:rowId xmlns:a16="http://schemas.microsoft.com/office/drawing/2014/main" val="560569789"/>
+                    <a16:rowId xmlns="" xmlns:a16="http://schemas.microsoft.com/office/drawing/2014/main" val="560569789"/>
                   </a:ext>
                 </a:extLst>
               </a:tr>
@@ -14100,7 +14249,7 @@
                 </a:tc>
                 <a:extLst>
                   <a:ext uri="{0D108BD9-81ED-4DB2-BD59-A6C34878D82A}">
-                    <a16:rowId xmlns:a16="http://schemas.microsoft.com/office/drawing/2014/main" val="2920322898"/>
+                    <a16:rowId xmlns="" xmlns:a16="http://schemas.microsoft.com/office/drawing/2014/main" val="2920322898"/>
                   </a:ext>
                 </a:extLst>
               </a:tr>
@@ -14209,7 +14358,7 @@
                 </a:tc>
                 <a:extLst>
                   <a:ext uri="{0D108BD9-81ED-4DB2-BD59-A6C34878D82A}">
-                    <a16:rowId xmlns:a16="http://schemas.microsoft.com/office/drawing/2014/main" val="3610026153"/>
+                    <a16:rowId xmlns="" xmlns:a16="http://schemas.microsoft.com/office/drawing/2014/main" val="3610026153"/>
                   </a:ext>
                 </a:extLst>
               </a:tr>
@@ -14613,14 +14762,24 @@
           <a:p>
             <a:pPr algn="ctr"/>
             <a:r>
-              <a:rPr lang="en-AU" altLang="en-US" sz="3600" b="1" dirty="0" err="1">
+              <a:rPr lang="en-AU" altLang="en-US" sz="3600" b="1" dirty="0" err="1" smtClean="0">
                 <a:solidFill>
                   <a:srgbClr val="002060"/>
                 </a:solidFill>
                 <a:latin typeface="Times New Roman" panose="02020603050405020304" pitchFamily="18" charset="0"/>
                 <a:cs typeface="Times New Roman" panose="02020603050405020304" pitchFamily="18" charset="0"/>
               </a:rPr>
-              <a:t>Playfire</a:t>
+              <a:t>Playfair</a:t>
+            </a:r>
+            <a:r>
+              <a:rPr lang="en-AU" altLang="en-US" sz="3600" b="1" dirty="0" smtClean="0">
+                <a:solidFill>
+                  <a:srgbClr val="002060"/>
+                </a:solidFill>
+                <a:latin typeface="Times New Roman" panose="02020603050405020304" pitchFamily="18" charset="0"/>
+                <a:cs typeface="Times New Roman" panose="02020603050405020304" pitchFamily="18" charset="0"/>
+              </a:rPr>
+              <a:t> </a:t>
             </a:r>
             <a:r>
               <a:rPr lang="en-AU" altLang="en-US" sz="3600" b="1" dirty="0">
@@ -14630,7 +14789,7 @@
                 <a:latin typeface="Times New Roman" panose="02020603050405020304" pitchFamily="18" charset="0"/>
                 <a:cs typeface="Times New Roman" panose="02020603050405020304" pitchFamily="18" charset="0"/>
               </a:rPr>
-              <a:t> Cipher</a:t>
+              <a:t>Cipher</a:t>
             </a:r>
             <a:endParaRPr lang="en-US" sz="3600" b="1" dirty="0">
               <a:solidFill>
@@ -16284,7 +16443,7 @@
                 <a:latin typeface="Times New Roman" panose="02020603050405020304" pitchFamily="18" charset="0"/>
                 <a:cs typeface="Times New Roman" panose="02020603050405020304" pitchFamily="18" charset="0"/>
               </a:rPr>
-              <a:t>Playfire</a:t>
+              <a:t>Playfair</a:t>
             </a:r>
             <a:r>
               <a:rPr lang="en-AU" altLang="en-US" sz="3600" b="1" dirty="0">
@@ -16696,7 +16855,7 @@
                 <a:latin typeface="Times New Roman" panose="02020603050405020304" pitchFamily="18" charset="0"/>
                 <a:cs typeface="Times New Roman" panose="02020603050405020304" pitchFamily="18" charset="0"/>
               </a:rPr>
-              <a:t>Playfire</a:t>
+              <a:t>Playfair</a:t>
             </a:r>
             <a:r>
               <a:rPr lang="en-AU" altLang="en-US" sz="3600" b="1" dirty="0">
@@ -16821,7 +16980,7 @@
               <a:t>Plaintext: “</a:t>
             </a:r>
             <a:r>
-              <a:rPr lang="en-US" dirty="0" err="1">
+              <a:rPr lang="en-US" dirty="0" err="1" smtClean="0">
                 <a:latin typeface="Times New Roman" panose="02020603050405020304" pitchFamily="18" charset="0"/>
                 <a:cs typeface="Times New Roman" panose="02020603050405020304" pitchFamily="18" charset="0"/>
               </a:rPr>
@@ -16932,7 +17091,7 @@
                 <a:latin typeface="Times New Roman" panose="02020603050405020304" pitchFamily="18" charset="0"/>
                 <a:cs typeface="Times New Roman" panose="02020603050405020304" pitchFamily="18" charset="0"/>
               </a:rPr>
-              <a:t>Playfire</a:t>
+              <a:t>Playfair</a:t>
             </a:r>
             <a:r>
               <a:rPr lang="en-AU" altLang="en-US" sz="3600" b="1" dirty="0">
@@ -16942,7 +17101,17 @@
                 <a:latin typeface="Times New Roman" panose="02020603050405020304" pitchFamily="18" charset="0"/>
                 <a:cs typeface="Times New Roman" panose="02020603050405020304" pitchFamily="18" charset="0"/>
               </a:rPr>
-              <a:t> Cipher Encryption Algorithm</a:t>
+              <a:t> Cipher </a:t>
+            </a:r>
+            <a:r>
+              <a:rPr lang="en-AU" altLang="en-US" sz="3600" b="1" dirty="0">
+                <a:solidFill>
+                  <a:srgbClr val="002060"/>
+                </a:solidFill>
+                <a:latin typeface="Times New Roman" panose="02020603050405020304" pitchFamily="18" charset="0"/>
+                <a:cs typeface="Times New Roman" panose="02020603050405020304" pitchFamily="18" charset="0"/>
+              </a:rPr>
+              <a:t>Encryption Algorithm</a:t>
             </a:r>
             <a:endParaRPr lang="en-US" sz="3600" b="1" dirty="0">
               <a:solidFill>
@@ -17179,7 +17348,7 @@
                 <a:latin typeface="Times New Roman" panose="02020603050405020304" pitchFamily="18" charset="0"/>
                 <a:cs typeface="Times New Roman" panose="02020603050405020304" pitchFamily="18" charset="0"/>
               </a:rPr>
-              <a:t>Playfire</a:t>
+              <a:t>Playfair</a:t>
             </a:r>
             <a:r>
               <a:rPr lang="en-AU" altLang="en-US" sz="3600" b="1" dirty="0">
@@ -17189,7 +17358,17 @@
                 <a:latin typeface="Times New Roman" panose="02020603050405020304" pitchFamily="18" charset="0"/>
                 <a:cs typeface="Times New Roman" panose="02020603050405020304" pitchFamily="18" charset="0"/>
               </a:rPr>
-              <a:t> Cipher Encryption Algorithm</a:t>
+              <a:t> Cipher </a:t>
+            </a:r>
+            <a:r>
+              <a:rPr lang="en-AU" altLang="en-US" sz="3600" b="1" dirty="0">
+                <a:solidFill>
+                  <a:srgbClr val="002060"/>
+                </a:solidFill>
+                <a:latin typeface="Times New Roman" panose="02020603050405020304" pitchFamily="18" charset="0"/>
+                <a:cs typeface="Times New Roman" panose="02020603050405020304" pitchFamily="18" charset="0"/>
+              </a:rPr>
+              <a:t>Encryption Algorithm</a:t>
             </a:r>
             <a:endParaRPr lang="en-US" sz="3600" b="1" dirty="0">
               <a:solidFill>
@@ -17420,7 +17599,7 @@
                 <a:latin typeface="Times New Roman" panose="02020603050405020304" pitchFamily="18" charset="0"/>
                 <a:cs typeface="Times New Roman" panose="02020603050405020304" pitchFamily="18" charset="0"/>
               </a:rPr>
-              <a:t>Playfire</a:t>
+              <a:t>Playfair</a:t>
             </a:r>
             <a:r>
               <a:rPr lang="en-AU" altLang="en-US" sz="3600" b="1" dirty="0">
@@ -17430,7 +17609,17 @@
                 <a:latin typeface="Times New Roman" panose="02020603050405020304" pitchFamily="18" charset="0"/>
                 <a:cs typeface="Times New Roman" panose="02020603050405020304" pitchFamily="18" charset="0"/>
               </a:rPr>
-              <a:t> Cipher Encryption Algorithm</a:t>
+              <a:t> Cipher </a:t>
+            </a:r>
+            <a:r>
+              <a:rPr lang="en-AU" altLang="en-US" sz="3600" b="1" dirty="0">
+                <a:solidFill>
+                  <a:srgbClr val="002060"/>
+                </a:solidFill>
+                <a:latin typeface="Times New Roman" panose="02020603050405020304" pitchFamily="18" charset="0"/>
+                <a:cs typeface="Times New Roman" panose="02020603050405020304" pitchFamily="18" charset="0"/>
+              </a:rPr>
+              <a:t>Encryption Algorithm</a:t>
             </a:r>
             <a:endParaRPr lang="en-US" sz="3600" b="1" dirty="0">
               <a:solidFill>
@@ -17725,7 +17914,7 @@
                 <a:latin typeface="Times New Roman" panose="02020603050405020304" pitchFamily="18" charset="0"/>
                 <a:cs typeface="Times New Roman" panose="02020603050405020304" pitchFamily="18" charset="0"/>
               </a:rPr>
-              <a:t>Playfire</a:t>
+              <a:t>Playfair</a:t>
             </a:r>
             <a:r>
               <a:rPr lang="en-AU" altLang="en-US" sz="3600" b="1" dirty="0">
@@ -17735,7 +17924,17 @@
                 <a:latin typeface="Times New Roman" panose="02020603050405020304" pitchFamily="18" charset="0"/>
                 <a:cs typeface="Times New Roman" panose="02020603050405020304" pitchFamily="18" charset="0"/>
               </a:rPr>
-              <a:t> Cipher Encryption Algorithm</a:t>
+              <a:t> Cipher </a:t>
+            </a:r>
+            <a:r>
+              <a:rPr lang="en-AU" altLang="en-US" sz="3600" b="1" dirty="0">
+                <a:solidFill>
+                  <a:srgbClr val="002060"/>
+                </a:solidFill>
+                <a:latin typeface="Times New Roman" panose="02020603050405020304" pitchFamily="18" charset="0"/>
+                <a:cs typeface="Times New Roman" panose="02020603050405020304" pitchFamily="18" charset="0"/>
+              </a:rPr>
+              <a:t>Encryption Algorithm</a:t>
             </a:r>
             <a:endParaRPr lang="en-US" sz="3600" b="1" dirty="0">
               <a:solidFill>
